--- a/pptx/第12章 多维标度分析.pptx
+++ b/pptx/第12章 多维标度分析.pptx
@@ -17654,7 +17654,7 @@
         </p:blipFill>
         <p:spPr>
           <a:xfrm>
-            <a:off x="119585" y="1142305"/>
+            <a:off x="47830" y="1546800"/>
             <a:ext cx="10869984" cy="5310905"/>
           </a:xfrm>
           <a:prstGeom prst="rect">
@@ -18066,14 +18066,122 @@
         </p:blipFill>
         <p:spPr>
           <a:xfrm>
-            <a:off x="4127141" y="1988900"/>
-            <a:ext cx="7827549" cy="4818943"/>
+            <a:off x="4422775" y="2171065"/>
+            <a:ext cx="7531735" cy="4636770"/>
           </a:xfrm>
           <a:prstGeom prst="rect">
             <a:avLst/>
           </a:prstGeom>
         </p:spPr>
       </p:pic>
+      <p:sp>
+        <p:nvSpPr>
+          <p:cNvPr id="5" name="文本框 4"/>
+          <p:cNvSpPr txBox="1"/>
+          <p:nvPr/>
+        </p:nvSpPr>
+        <p:spPr>
+          <a:xfrm>
+            <a:off x="1341755" y="1022350"/>
+            <a:ext cx="10543540" cy="521970"/>
+          </a:xfrm>
+          <a:prstGeom prst="rect">
+            <a:avLst/>
+          </a:prstGeom>
+          <a:noFill/>
+        </p:spPr>
+        <p:txBody>
+          <a:bodyPr wrap="square" rtlCol="0" anchor="t">
+            <a:spAutoFit/>
+          </a:bodyPr>
+          <a:p>
+            <a:r>
+              <a:rPr lang="en-US" altLang="zh-CN" sz="2800" b="1">
+                <a:solidFill>
+                  <a:srgbClr val="FF0000"/>
+                </a:solidFill>
+              </a:rPr>
+              <a:t>d12.1</a:t>
+            </a:r>
+            <a:r>
+              <a:rPr lang="zh-CN" altLang="en-US" sz="2800" b="1">
+                <a:solidFill>
+                  <a:srgbClr val="FF0000"/>
+                </a:solidFill>
+              </a:rPr>
+              <a:t>=read.xlsx('mvstats5.xlsx','</a:t>
+            </a:r>
+            <a:r>
+              <a:rPr lang="en-US" altLang="zh-CN" sz="2800" b="1">
+                <a:solidFill>
+                  <a:srgbClr val="FF0000"/>
+                </a:solidFill>
+              </a:rPr>
+              <a:t>d12</a:t>
+            </a:r>
+            <a:r>
+              <a:rPr lang="zh-CN" altLang="en-US" sz="2800" b="1">
+                <a:solidFill>
+                  <a:srgbClr val="FF0000"/>
+                </a:solidFill>
+              </a:rPr>
+              <a:t>.1');   # </a:t>
+            </a:r>
+            <a:r>
+              <a:rPr lang="en-US" altLang="zh-CN" sz="2800" b="1">
+                <a:solidFill>
+                  <a:srgbClr val="FF0000"/>
+                </a:solidFill>
+              </a:rPr>
+              <a:t>library(openxlsx)</a:t>
+            </a:r>
+            <a:endParaRPr lang="en-US" altLang="zh-CN" sz="2800" b="1">
+              <a:solidFill>
+                <a:srgbClr val="FF0000"/>
+              </a:solidFill>
+            </a:endParaRPr>
+          </a:p>
+        </p:txBody>
+      </p:sp>
+      <p:sp>
+        <p:nvSpPr>
+          <p:cNvPr id="9" name="流程图: 准备 8"/>
+          <p:cNvSpPr/>
+          <p:nvPr/>
+        </p:nvSpPr>
+        <p:spPr>
+          <a:xfrm>
+            <a:off x="4511675" y="2273300"/>
+            <a:ext cx="5472430" cy="75565"/>
+          </a:xfrm>
+          <a:prstGeom prst="flowChartPreparation">
+            <a:avLst/>
+          </a:prstGeom>
+        </p:spPr>
+        <p:style>
+          <a:lnRef idx="2">
+            <a:schemeClr val="accent1">
+              <a:shade val="50000"/>
+            </a:schemeClr>
+          </a:lnRef>
+          <a:fillRef idx="1">
+            <a:schemeClr val="accent1"/>
+          </a:fillRef>
+          <a:effectRef idx="0">
+            <a:schemeClr val="accent1"/>
+          </a:effectRef>
+          <a:fontRef idx="minor">
+            <a:schemeClr val="lt1"/>
+          </a:fontRef>
+        </p:style>
+        <p:txBody>
+          <a:bodyPr rtlCol="0" anchor="ctr"/>
+          <a:p>
+            <a:pPr algn="ctr"/>
+            <a:endParaRPr lang="zh-CN" altLang="en-US"/>
+          </a:p>
+        </p:txBody>
+      </p:sp>
     </p:spTree>
   </p:cSld>
   <p:clrMapOvr>
